--- a/azure/images/aks-schema.pptx
+++ b/azure/images/aks-schema.pptx
@@ -3414,8 +3414,8 @@
         </p:nvSpPr>
         <p:spPr>
           <a:xfrm>
-            <a:off x="7358786" y="625788"/>
-            <a:ext cx="3354522" cy="5626421"/>
+            <a:off x="1709530" y="625788"/>
+            <a:ext cx="9003778" cy="5710228"/>
           </a:xfrm>
           <a:prstGeom prst="roundRect">
             <a:avLst/>
@@ -3729,53 +3729,6 @@
               </a:p>
             </p:txBody>
           </p:sp>
-          <p:pic>
-            <p:nvPicPr>
-              <p:cNvPr id="1032" name="Picture 8" descr="Kubernetes icons - 14 free &amp; premium icons on Iconfinder">
-                <a:extLst>
-                  <a:ext uri="{FF2B5EF4-FFF2-40B4-BE49-F238E27FC236}">
-                    <a16:creationId xmlns:a16="http://schemas.microsoft.com/office/drawing/2014/main" id="{B19E8446-277D-BE4D-9E5F-09C4F45F857B}"/>
-                  </a:ext>
-                </a:extLst>
-              </p:cNvPr>
-              <p:cNvPicPr>
-                <a:picLocks noChangeAspect="1" noChangeArrowheads="1"/>
-              </p:cNvPicPr>
-              <p:nvPr/>
-            </p:nvPicPr>
-            <p:blipFill>
-              <a:blip r:embed="rId3">
-                <a:extLst>
-                  <a:ext uri="{28A0092B-C50C-407E-A947-70E740481C1C}">
-                    <a14:useLocalDpi xmlns:a14="http://schemas.microsoft.com/office/drawing/2010/main" val="0"/>
-                  </a:ext>
-                </a:extLst>
-              </a:blip>
-              <a:srcRect/>
-              <a:stretch>
-                <a:fillRect/>
-              </a:stretch>
-            </p:blipFill>
-            <p:spPr bwMode="auto">
-              <a:xfrm>
-                <a:off x="5922842" y="1888645"/>
-                <a:ext cx="198214" cy="198214"/>
-              </a:xfrm>
-              <a:prstGeom prst="rect">
-                <a:avLst/>
-              </a:prstGeom>
-              <a:noFill/>
-              <a:extLst>
-                <a:ext uri="{909E8E84-426E-40DD-AFC4-6F175D3DCCD1}">
-                  <a14:hiddenFill xmlns:a14="http://schemas.microsoft.com/office/drawing/2010/main">
-                    <a:solidFill>
-                      <a:srgbClr val="FFFFFF"/>
-                    </a:solidFill>
-                  </a14:hiddenFill>
-                </a:ext>
-              </a:extLst>
-            </p:spPr>
-          </p:pic>
         </p:grpSp>
         <p:sp>
           <p:nvSpPr>
@@ -4116,53 +4069,6 @@
               </a:p>
             </p:txBody>
           </p:sp>
-          <p:pic>
-            <p:nvPicPr>
-              <p:cNvPr id="45" name="Picture 8" descr="Kubernetes icons - 14 free &amp; premium icons on Iconfinder">
-                <a:extLst>
-                  <a:ext uri="{FF2B5EF4-FFF2-40B4-BE49-F238E27FC236}">
-                    <a16:creationId xmlns:a16="http://schemas.microsoft.com/office/drawing/2014/main" id="{F790345A-208F-134D-8176-0B0B688D53A4}"/>
-                  </a:ext>
-                </a:extLst>
-              </p:cNvPr>
-              <p:cNvPicPr>
-                <a:picLocks noChangeAspect="1" noChangeArrowheads="1"/>
-              </p:cNvPicPr>
-              <p:nvPr/>
-            </p:nvPicPr>
-            <p:blipFill>
-              <a:blip r:embed="rId3">
-                <a:extLst>
-                  <a:ext uri="{28A0092B-C50C-407E-A947-70E740481C1C}">
-                    <a14:useLocalDpi xmlns:a14="http://schemas.microsoft.com/office/drawing/2010/main" val="0"/>
-                  </a:ext>
-                </a:extLst>
-              </a:blip>
-              <a:srcRect/>
-              <a:stretch>
-                <a:fillRect/>
-              </a:stretch>
-            </p:blipFill>
-            <p:spPr bwMode="auto">
-              <a:xfrm>
-                <a:off x="5922842" y="1888645"/>
-                <a:ext cx="198214" cy="198214"/>
-              </a:xfrm>
-              <a:prstGeom prst="rect">
-                <a:avLst/>
-              </a:prstGeom>
-              <a:noFill/>
-              <a:extLst>
-                <a:ext uri="{909E8E84-426E-40DD-AFC4-6F175D3DCCD1}">
-                  <a14:hiddenFill xmlns:a14="http://schemas.microsoft.com/office/drawing/2010/main">
-                    <a:solidFill>
-                      <a:srgbClr val="FFFFFF"/>
-                    </a:solidFill>
-                  </a14:hiddenFill>
-                </a:ext>
-              </a:extLst>
-            </p:spPr>
-          </p:pic>
         </p:grpSp>
         <p:sp>
           <p:nvSpPr>
@@ -4503,53 +4409,6 @@
               </a:p>
             </p:txBody>
           </p:sp>
-          <p:pic>
-            <p:nvPicPr>
-              <p:cNvPr id="55" name="Picture 8" descr="Kubernetes icons - 14 free &amp; premium icons on Iconfinder">
-                <a:extLst>
-                  <a:ext uri="{FF2B5EF4-FFF2-40B4-BE49-F238E27FC236}">
-                    <a16:creationId xmlns:a16="http://schemas.microsoft.com/office/drawing/2014/main" id="{7E5D237F-8D59-614D-A73F-F71906F326CE}"/>
-                  </a:ext>
-                </a:extLst>
-              </p:cNvPr>
-              <p:cNvPicPr>
-                <a:picLocks noChangeAspect="1" noChangeArrowheads="1"/>
-              </p:cNvPicPr>
-              <p:nvPr/>
-            </p:nvPicPr>
-            <p:blipFill>
-              <a:blip r:embed="rId3">
-                <a:extLst>
-                  <a:ext uri="{28A0092B-C50C-407E-A947-70E740481C1C}">
-                    <a14:useLocalDpi xmlns:a14="http://schemas.microsoft.com/office/drawing/2010/main" val="0"/>
-                  </a:ext>
-                </a:extLst>
-              </a:blip>
-              <a:srcRect/>
-              <a:stretch>
-                <a:fillRect/>
-              </a:stretch>
-            </p:blipFill>
-            <p:spPr bwMode="auto">
-              <a:xfrm>
-                <a:off x="5922842" y="1888645"/>
-                <a:ext cx="198214" cy="198214"/>
-              </a:xfrm>
-              <a:prstGeom prst="rect">
-                <a:avLst/>
-              </a:prstGeom>
-              <a:noFill/>
-              <a:extLst>
-                <a:ext uri="{909E8E84-426E-40DD-AFC4-6F175D3DCCD1}">
-                  <a14:hiddenFill xmlns:a14="http://schemas.microsoft.com/office/drawing/2010/main">
-                    <a:solidFill>
-                      <a:srgbClr val="FFFFFF"/>
-                    </a:solidFill>
-                  </a14:hiddenFill>
-                </a:ext>
-              </a:extLst>
-            </p:spPr>
-          </p:pic>
         </p:grpSp>
         <p:sp>
           <p:nvSpPr>
@@ -4897,53 +4756,6 @@
               </a:p>
             </p:txBody>
           </p:sp>
-          <p:pic>
-            <p:nvPicPr>
-              <p:cNvPr id="65" name="Picture 8" descr="Kubernetes icons - 14 free &amp; premium icons on Iconfinder">
-                <a:extLst>
-                  <a:ext uri="{FF2B5EF4-FFF2-40B4-BE49-F238E27FC236}">
-                    <a16:creationId xmlns:a16="http://schemas.microsoft.com/office/drawing/2014/main" id="{4C5C0441-17D2-D549-81A2-487A58DE0FB9}"/>
-                  </a:ext>
-                </a:extLst>
-              </p:cNvPr>
-              <p:cNvPicPr>
-                <a:picLocks noChangeAspect="1" noChangeArrowheads="1"/>
-              </p:cNvPicPr>
-              <p:nvPr/>
-            </p:nvPicPr>
-            <p:blipFill>
-              <a:blip r:embed="rId3">
-                <a:extLst>
-                  <a:ext uri="{28A0092B-C50C-407E-A947-70E740481C1C}">
-                    <a14:useLocalDpi xmlns:a14="http://schemas.microsoft.com/office/drawing/2010/main" val="0"/>
-                  </a:ext>
-                </a:extLst>
-              </a:blip>
-              <a:srcRect/>
-              <a:stretch>
-                <a:fillRect/>
-              </a:stretch>
-            </p:blipFill>
-            <p:spPr bwMode="auto">
-              <a:xfrm>
-                <a:off x="5922842" y="1888645"/>
-                <a:ext cx="198214" cy="198214"/>
-              </a:xfrm>
-              <a:prstGeom prst="rect">
-                <a:avLst/>
-              </a:prstGeom>
-              <a:noFill/>
-              <a:extLst>
-                <a:ext uri="{909E8E84-426E-40DD-AFC4-6F175D3DCCD1}">
-                  <a14:hiddenFill xmlns:a14="http://schemas.microsoft.com/office/drawing/2010/main">
-                    <a:solidFill>
-                      <a:srgbClr val="FFFFFF"/>
-                    </a:solidFill>
-                  </a14:hiddenFill>
-                </a:ext>
-              </a:extLst>
-            </p:spPr>
-          </p:pic>
         </p:grpSp>
         <p:sp>
           <p:nvSpPr>
@@ -5006,57 +4818,6 @@
           </p:txBody>
         </p:sp>
       </p:grpSp>
-      <p:sp>
-        <p:nvSpPr>
-          <p:cNvPr id="79" name="Rounded Rectangle 78">
-            <a:extLst>
-              <a:ext uri="{FF2B5EF4-FFF2-40B4-BE49-F238E27FC236}">
-                <a16:creationId xmlns:a16="http://schemas.microsoft.com/office/drawing/2014/main" id="{D35208BB-98C8-CE4C-ABAF-6F69F1DDF2F4}"/>
-              </a:ext>
-            </a:extLst>
-          </p:cNvPr>
-          <p:cNvSpPr/>
-          <p:nvPr/>
-        </p:nvSpPr>
-        <p:spPr>
-          <a:xfrm>
-            <a:off x="1622098" y="605481"/>
-            <a:ext cx="5611684" cy="5626421"/>
-          </a:xfrm>
-          <a:prstGeom prst="roundRect">
-            <a:avLst/>
-          </a:prstGeom>
-          <a:noFill/>
-          <a:ln>
-            <a:solidFill>
-              <a:schemeClr val="accent1"/>
-            </a:solidFill>
-            <a:prstDash val="sysDash"/>
-          </a:ln>
-        </p:spPr>
-        <p:style>
-          <a:lnRef idx="2">
-            <a:schemeClr val="accent2"/>
-          </a:lnRef>
-          <a:fillRef idx="1">
-            <a:schemeClr val="lt1"/>
-          </a:fillRef>
-          <a:effectRef idx="0">
-            <a:schemeClr val="accent2"/>
-          </a:effectRef>
-          <a:fontRef idx="minor">
-            <a:schemeClr val="dk1"/>
-          </a:fontRef>
-        </p:style>
-        <p:txBody>
-          <a:bodyPr rtlCol="0" anchor="ctr"/>
-          <a:lstStyle/>
-          <a:p>
-            <a:pPr algn="ctr"/>
-            <a:endParaRPr lang="en-FR" dirty="0"/>
-          </a:p>
-        </p:txBody>
-      </p:sp>
       <p:grpSp>
         <p:nvGrpSpPr>
           <p:cNvPr id="2" name="Group 1">
@@ -5961,7 +5722,7 @@
           <p:nvPr/>
         </p:nvPicPr>
         <p:blipFill>
-          <a:blip r:embed="rId4">
+          <a:blip r:embed="rId3">
             <a:extLst>
               <a:ext uri="{28A0092B-C50C-407E-A947-70E740481C1C}">
                 <a14:useLocalDpi xmlns:a14="http://schemas.microsoft.com/office/drawing/2010/main" val="0"/>
@@ -6889,7 +6650,7 @@
           <p:nvPr/>
         </p:nvPicPr>
         <p:blipFill>
-          <a:blip r:embed="rId5">
+          <a:blip r:embed="rId4">
             <a:extLst>
               <a:ext uri="{28A0092B-C50C-407E-A947-70E740481C1C}">
                 <a14:useLocalDpi xmlns:a14="http://schemas.microsoft.com/office/drawing/2010/main" val="0"/>
@@ -6981,7 +6742,7 @@
           <p:nvPr/>
         </p:nvPicPr>
         <p:blipFill>
-          <a:blip r:embed="rId6">
+          <a:blip r:embed="rId5">
             <a:extLst>
               <a:ext uri="{28A0092B-C50C-407E-A947-70E740481C1C}">
                 <a14:useLocalDpi xmlns:a14="http://schemas.microsoft.com/office/drawing/2010/main" val="0"/>
@@ -6995,7 +6756,7 @@
         </p:blipFill>
         <p:spPr bwMode="auto">
           <a:xfrm>
-            <a:off x="8593883" y="5493789"/>
+            <a:off x="6821201" y="5493789"/>
             <a:ext cx="842227" cy="842227"/>
           </a:xfrm>
           <a:prstGeom prst="rect">
@@ -7067,7 +6828,7 @@
         </p:nvSpPr>
         <p:spPr>
           <a:xfrm>
-            <a:off x="7994725" y="5339574"/>
+            <a:off x="6222043" y="5339574"/>
             <a:ext cx="2077620" cy="307777"/>
           </a:xfrm>
           <a:prstGeom prst="rect">
@@ -7087,12 +6848,47 @@
           </a:p>
         </p:txBody>
       </p:sp>
+      <p:sp>
+        <p:nvSpPr>
+          <p:cNvPr id="20" name="TextBox 19">
+            <a:extLst>
+              <a:ext uri="{FF2B5EF4-FFF2-40B4-BE49-F238E27FC236}">
+                <a16:creationId xmlns:a16="http://schemas.microsoft.com/office/drawing/2014/main" id="{1CAFDAB8-79A5-0B40-BB11-4724F9D87231}"/>
+              </a:ext>
+            </a:extLst>
+          </p:cNvPr>
+          <p:cNvSpPr txBox="1"/>
+          <p:nvPr/>
+        </p:nvSpPr>
+        <p:spPr>
+          <a:xfrm>
+            <a:off x="3875202" y="5194972"/>
+            <a:ext cx="845296" cy="369332"/>
+          </a:xfrm>
+          <a:prstGeom prst="rect">
+            <a:avLst/>
+          </a:prstGeom>
+          <a:noFill/>
+        </p:spPr>
+        <p:txBody>
+          <a:bodyPr wrap="none" rtlCol="0">
+            <a:spAutoFit/>
+          </a:bodyPr>
+          <a:lstStyle/>
+          <a:p>
+            <a:r>
+              <a:rPr lang="en-FR" dirty="0"/>
+              <a:t>Ingress</a:t>
+            </a:r>
+          </a:p>
+        </p:txBody>
+      </p:sp>
       <p:pic>
         <p:nvPicPr>
-          <p:cNvPr id="1036" name="Picture 12" descr="GitHub - nginxinc/kubernetes-ingress: NGINX and NGINX Plus Ingress ...">
-            <a:extLst>
-              <a:ext uri="{FF2B5EF4-FFF2-40B4-BE49-F238E27FC236}">
-                <a16:creationId xmlns:a16="http://schemas.microsoft.com/office/drawing/2014/main" id="{D902AACE-D06B-7E42-93E5-1D957683DCC1}"/>
+          <p:cNvPr id="1038" name="Picture 14">
+            <a:extLst>
+              <a:ext uri="{FF2B5EF4-FFF2-40B4-BE49-F238E27FC236}">
+                <a16:creationId xmlns:a16="http://schemas.microsoft.com/office/drawing/2014/main" id="{1FCBEFC7-0AC4-D44D-832B-A95382EEC1C8}"/>
               </a:ext>
             </a:extLst>
           </p:cNvPr>
@@ -7102,7 +6898,7 @@
           <p:nvPr/>
         </p:nvPicPr>
         <p:blipFill>
-          <a:blip r:embed="rId7">
+          <a:blip r:embed="rId6">
             <a:extLst>
               <a:ext uri="{28A0092B-C50C-407E-A947-70E740481C1C}">
                 <a14:useLocalDpi xmlns:a14="http://schemas.microsoft.com/office/drawing/2010/main" val="0"/>
@@ -7116,8 +6912,196 @@
         </p:blipFill>
         <p:spPr bwMode="auto">
           <a:xfrm>
-            <a:off x="4124542" y="5577550"/>
-            <a:ext cx="509665" cy="509665"/>
+            <a:off x="4065318" y="5614447"/>
+            <a:ext cx="463256" cy="463256"/>
+          </a:xfrm>
+          <a:prstGeom prst="rect">
+            <a:avLst/>
+          </a:prstGeom>
+          <a:noFill/>
+          <a:extLst>
+            <a:ext uri="{909E8E84-426E-40DD-AFC4-6F175D3DCCD1}">
+              <a14:hiddenFill xmlns:a14="http://schemas.microsoft.com/office/drawing/2010/main">
+                <a:solidFill>
+                  <a:srgbClr val="FFFFFF"/>
+                </a:solidFill>
+              </a14:hiddenFill>
+            </a:ext>
+          </a:extLst>
+        </p:spPr>
+      </p:pic>
+      <p:pic>
+        <p:nvPicPr>
+          <p:cNvPr id="1040" name="Picture 16">
+            <a:extLst>
+              <a:ext uri="{FF2B5EF4-FFF2-40B4-BE49-F238E27FC236}">
+                <a16:creationId xmlns:a16="http://schemas.microsoft.com/office/drawing/2014/main" id="{15C77AE9-9B1C-BB40-8BB0-A908F0686DCD}"/>
+              </a:ext>
+            </a:extLst>
+          </p:cNvPr>
+          <p:cNvPicPr>
+            <a:picLocks noChangeAspect="1" noChangeArrowheads="1"/>
+          </p:cNvPicPr>
+          <p:nvPr/>
+        </p:nvPicPr>
+        <p:blipFill>
+          <a:blip r:embed="rId7">
+            <a:extLst>
+              <a:ext uri="{28A0092B-C50C-407E-A947-70E740481C1C}">
+                <a14:useLocalDpi xmlns:a14="http://schemas.microsoft.com/office/drawing/2010/main" val="0"/>
+              </a:ext>
+            </a:extLst>
+          </a:blip>
+          <a:srcRect/>
+          <a:stretch>
+            <a:fillRect/>
+          </a:stretch>
+        </p:blipFill>
+        <p:spPr bwMode="auto">
+          <a:xfrm>
+            <a:off x="8425988" y="1719127"/>
+            <a:ext cx="237812" cy="237812"/>
+          </a:xfrm>
+          <a:prstGeom prst="rect">
+            <a:avLst/>
+          </a:prstGeom>
+          <a:noFill/>
+          <a:extLst>
+            <a:ext uri="{909E8E84-426E-40DD-AFC4-6F175D3DCCD1}">
+              <a14:hiddenFill xmlns:a14="http://schemas.microsoft.com/office/drawing/2010/main">
+                <a:solidFill>
+                  <a:srgbClr val="FFFFFF"/>
+                </a:solidFill>
+              </a14:hiddenFill>
+            </a:ext>
+          </a:extLst>
+        </p:spPr>
+      </p:pic>
+      <p:pic>
+        <p:nvPicPr>
+          <p:cNvPr id="102" name="Picture 16">
+            <a:extLst>
+              <a:ext uri="{FF2B5EF4-FFF2-40B4-BE49-F238E27FC236}">
+                <a16:creationId xmlns:a16="http://schemas.microsoft.com/office/drawing/2014/main" id="{DE83DF3A-F591-7648-8B34-080040C526CF}"/>
+              </a:ext>
+            </a:extLst>
+          </p:cNvPr>
+          <p:cNvPicPr>
+            <a:picLocks noChangeAspect="1" noChangeArrowheads="1"/>
+          </p:cNvPicPr>
+          <p:nvPr/>
+        </p:nvPicPr>
+        <p:blipFill>
+          <a:blip r:embed="rId7">
+            <a:extLst>
+              <a:ext uri="{28A0092B-C50C-407E-A947-70E740481C1C}">
+                <a14:useLocalDpi xmlns:a14="http://schemas.microsoft.com/office/drawing/2010/main" val="0"/>
+              </a:ext>
+            </a:extLst>
+          </a:blip>
+          <a:srcRect/>
+          <a:stretch>
+            <a:fillRect/>
+          </a:stretch>
+        </p:blipFill>
+        <p:spPr bwMode="auto">
+          <a:xfrm>
+            <a:off x="8453231" y="2803768"/>
+            <a:ext cx="237812" cy="237812"/>
+          </a:xfrm>
+          <a:prstGeom prst="rect">
+            <a:avLst/>
+          </a:prstGeom>
+          <a:noFill/>
+          <a:extLst>
+            <a:ext uri="{909E8E84-426E-40DD-AFC4-6F175D3DCCD1}">
+              <a14:hiddenFill xmlns:a14="http://schemas.microsoft.com/office/drawing/2010/main">
+                <a:solidFill>
+                  <a:srgbClr val="FFFFFF"/>
+                </a:solidFill>
+              </a14:hiddenFill>
+            </a:ext>
+          </a:extLst>
+        </p:spPr>
+      </p:pic>
+      <p:pic>
+        <p:nvPicPr>
+          <p:cNvPr id="103" name="Picture 16">
+            <a:extLst>
+              <a:ext uri="{FF2B5EF4-FFF2-40B4-BE49-F238E27FC236}">
+                <a16:creationId xmlns:a16="http://schemas.microsoft.com/office/drawing/2014/main" id="{D316F108-9542-6145-9F94-0BC7DE94C1D7}"/>
+              </a:ext>
+            </a:extLst>
+          </p:cNvPr>
+          <p:cNvPicPr>
+            <a:picLocks noChangeAspect="1" noChangeArrowheads="1"/>
+          </p:cNvPicPr>
+          <p:nvPr/>
+        </p:nvPicPr>
+        <p:blipFill>
+          <a:blip r:embed="rId7">
+            <a:extLst>
+              <a:ext uri="{28A0092B-C50C-407E-A947-70E740481C1C}">
+                <a14:useLocalDpi xmlns:a14="http://schemas.microsoft.com/office/drawing/2010/main" val="0"/>
+              </a:ext>
+            </a:extLst>
+          </a:blip>
+          <a:srcRect/>
+          <a:stretch>
+            <a:fillRect/>
+          </a:stretch>
+        </p:blipFill>
+        <p:spPr bwMode="auto">
+          <a:xfrm>
+            <a:off x="8451675" y="3905524"/>
+            <a:ext cx="237812" cy="237812"/>
+          </a:xfrm>
+          <a:prstGeom prst="rect">
+            <a:avLst/>
+          </a:prstGeom>
+          <a:noFill/>
+          <a:extLst>
+            <a:ext uri="{909E8E84-426E-40DD-AFC4-6F175D3DCCD1}">
+              <a14:hiddenFill xmlns:a14="http://schemas.microsoft.com/office/drawing/2010/main">
+                <a:solidFill>
+                  <a:srgbClr val="FFFFFF"/>
+                </a:solidFill>
+              </a14:hiddenFill>
+            </a:ext>
+          </a:extLst>
+        </p:spPr>
+      </p:pic>
+      <p:pic>
+        <p:nvPicPr>
+          <p:cNvPr id="104" name="Picture 16">
+            <a:extLst>
+              <a:ext uri="{FF2B5EF4-FFF2-40B4-BE49-F238E27FC236}">
+                <a16:creationId xmlns:a16="http://schemas.microsoft.com/office/drawing/2014/main" id="{4A3AE373-18A1-5C46-B050-34D8C2CBFEE8}"/>
+              </a:ext>
+            </a:extLst>
+          </p:cNvPr>
+          <p:cNvPicPr>
+            <a:picLocks noChangeAspect="1" noChangeArrowheads="1"/>
+          </p:cNvPicPr>
+          <p:nvPr/>
+        </p:nvPicPr>
+        <p:blipFill>
+          <a:blip r:embed="rId7">
+            <a:extLst>
+              <a:ext uri="{28A0092B-C50C-407E-A947-70E740481C1C}">
+                <a14:useLocalDpi xmlns:a14="http://schemas.microsoft.com/office/drawing/2010/main" val="0"/>
+              </a:ext>
+            </a:extLst>
+          </a:blip>
+          <a:srcRect/>
+          <a:stretch>
+            <a:fillRect/>
+          </a:stretch>
+        </p:blipFill>
+        <p:spPr bwMode="auto">
+          <a:xfrm>
+            <a:off x="8452549" y="5024282"/>
+            <a:ext cx="237812" cy="237812"/>
           </a:xfrm>
           <a:prstGeom prst="rect">
             <a:avLst/>
